--- a/generic/Templates/WSIP_A.pptx
+++ b/generic/Templates/WSIP_A.pptx
@@ -212,7 +212,7 @@
           <a:p>
             <a:fld id="{3EE55D68-8C9B-4D5D-949A-7669B8A91E97}" type="datetimeFigureOut">
               <a:rPr lang="en-US" smtClean="0"/>
-              <a:t>10/2/2020</a:t>
+              <a:t>10/5/2020</a:t>
             </a:fld>
             <a:endParaRPr lang="en-US"/>
           </a:p>
@@ -390,7 +390,7 @@
           <a:p>
             <a:fld id="{50FF9F08-6B88-49AC-95AA-4AC63D81A65E}" type="datetimeFigureOut">
               <a:rPr lang="en-US" smtClean="0"/>
-              <a:t>10/2/2020</a:t>
+              <a:t>10/5/2020</a:t>
             </a:fld>
             <a:endParaRPr lang="en-US"/>
           </a:p>
@@ -698,7 +698,7 @@
           <a:p>
             <a:fld id="{E696F689-CEAB-4504-B473-9B0B5939D43A}" type="datetime1">
               <a:rPr lang="en-US" smtClean="0"/>
-              <a:t>10/2/2020</a:t>
+              <a:t>10/5/2020</a:t>
             </a:fld>
             <a:endParaRPr lang="en-US"/>
           </a:p>
@@ -868,8 +868,8 @@
         </p:blipFill>
         <p:spPr>
           <a:xfrm>
-            <a:off x="0" y="-39757"/>
-            <a:ext cx="12192000" cy="6858001"/>
+            <a:off x="0" y="1"/>
+            <a:ext cx="12192000" cy="6867012"/>
           </a:xfrm>
           <a:prstGeom prst="rect">
             <a:avLst/>
@@ -962,7 +962,7 @@
           <a:p>
             <a:fld id="{0EB4EE1B-4338-4C85-8BB5-7B9DA3C56182}" type="datetimeFigureOut">
               <a:rPr lang="en-US" smtClean="0"/>
-              <a:t>10/2/2020</a:t>
+              <a:t>10/5/2020</a:t>
             </a:fld>
             <a:endParaRPr lang="en-US"/>
           </a:p>
@@ -2114,7 +2114,7 @@
           <a:p>
             <a:fld id="{2B0874A4-81C1-4A73-8B2C-C9BCF98BC34D}" type="datetime1">
               <a:rPr lang="en-US" smtClean="0"/>
-              <a:t>10/2/2020</a:t>
+              <a:t>10/5/2020</a:t>
             </a:fld>
             <a:endParaRPr lang="en-US"/>
           </a:p>

--- a/generic/Templates/WSIP_A.pptx
+++ b/generic/Templates/WSIP_A.pptx
@@ -212,7 +212,7 @@
           <a:p>
             <a:fld id="{3EE55D68-8C9B-4D5D-949A-7669B8A91E97}" type="datetimeFigureOut">
               <a:rPr lang="en-US" smtClean="0"/>
-              <a:t>10/5/2020</a:t>
+              <a:t>10/6/2020</a:t>
             </a:fld>
             <a:endParaRPr lang="en-US"/>
           </a:p>
@@ -390,7 +390,7 @@
           <a:p>
             <a:fld id="{50FF9F08-6B88-49AC-95AA-4AC63D81A65E}" type="datetimeFigureOut">
               <a:rPr lang="en-US" smtClean="0"/>
-              <a:t>10/5/2020</a:t>
+              <a:t>10/6/2020</a:t>
             </a:fld>
             <a:endParaRPr lang="en-US"/>
           </a:p>
@@ -698,7 +698,7 @@
           <a:p>
             <a:fld id="{E696F689-CEAB-4504-B473-9B0B5939D43A}" type="datetime1">
               <a:rPr lang="en-US" smtClean="0"/>
-              <a:t>10/5/2020</a:t>
+              <a:t>10/6/2020</a:t>
             </a:fld>
             <a:endParaRPr lang="en-US"/>
           </a:p>
@@ -962,7 +962,7 @@
           <a:p>
             <a:fld id="{0EB4EE1B-4338-4C85-8BB5-7B9DA3C56182}" type="datetimeFigureOut">
               <a:rPr lang="en-US" smtClean="0"/>
-              <a:t>10/5/2020</a:t>
+              <a:t>10/6/2020</a:t>
             </a:fld>
             <a:endParaRPr lang="en-US"/>
           </a:p>
@@ -2114,7 +2114,7 @@
           <a:p>
             <a:fld id="{2B0874A4-81C1-4A73-8B2C-C9BCF98BC34D}" type="datetime1">
               <a:rPr lang="en-US" smtClean="0"/>
-              <a:t>10/5/2020</a:t>
+              <a:t>10/6/2020</a:t>
             </a:fld>
             <a:endParaRPr lang="en-US"/>
           </a:p>
@@ -2222,6 +2222,609 @@
               <a:t>1</a:t>
             </a:fld>
             <a:endParaRPr lang="en-US"/>
+          </a:p>
+        </p:txBody>
+      </p:sp>
+      <p:sp>
+        <p:nvSpPr>
+          <p:cNvPr id="5" name="TextBox 4">
+            <a:extLst>
+              <a:ext uri="{FF2B5EF4-FFF2-40B4-BE49-F238E27FC236}">
+                <a16:creationId xmlns:a16="http://schemas.microsoft.com/office/drawing/2014/main" id="{941B6480-57D1-45CE-A529-1230CFA8F1FA}"/>
+              </a:ext>
+            </a:extLst>
+          </p:cNvPr>
+          <p:cNvSpPr txBox="1"/>
+          <p:nvPr/>
+        </p:nvSpPr>
+        <p:spPr>
+          <a:xfrm>
+            <a:off x="5843016" y="18288"/>
+            <a:ext cx="530352" cy="230832"/>
+          </a:xfrm>
+          <a:prstGeom prst="rect">
+            <a:avLst/>
+          </a:prstGeom>
+          <a:noFill/>
+        </p:spPr>
+        <p:txBody>
+          <a:bodyPr vert="horz" rtlCol="0">
+            <a:spAutoFit/>
+          </a:bodyPr>
+          <a:lstStyle/>
+          <a:p>
+            <a:r>
+              <a:rPr lang="en-US" sz="900" b="1">
+                <a:solidFill>
+                  <a:srgbClr val="FF0000"/>
+                </a:solidFill>
+              </a:rPr>
+              <a:t>FOUO</a:t>
+            </a:r>
+          </a:p>
+        </p:txBody>
+      </p:sp>
+      <p:sp>
+        <p:nvSpPr>
+          <p:cNvPr id="6" name="TextBox 5">
+            <a:extLst>
+              <a:ext uri="{FF2B5EF4-FFF2-40B4-BE49-F238E27FC236}">
+                <a16:creationId xmlns:a16="http://schemas.microsoft.com/office/drawing/2014/main" id="{94A19EDE-5A2D-4915-B9FB-E921ED65A151}"/>
+              </a:ext>
+            </a:extLst>
+          </p:cNvPr>
+          <p:cNvSpPr txBox="1"/>
+          <p:nvPr/>
+        </p:nvSpPr>
+        <p:spPr>
+          <a:xfrm>
+            <a:off x="5843016" y="6364224"/>
+            <a:ext cx="530352" cy="230832"/>
+          </a:xfrm>
+          <a:prstGeom prst="rect">
+            <a:avLst/>
+          </a:prstGeom>
+          <a:noFill/>
+        </p:spPr>
+        <p:txBody>
+          <a:bodyPr vert="horz" rtlCol="0">
+            <a:spAutoFit/>
+          </a:bodyPr>
+          <a:lstStyle/>
+          <a:p>
+            <a:r>
+              <a:rPr lang="en-US" sz="900" b="1">
+                <a:solidFill>
+                  <a:srgbClr val="FF0000"/>
+                </a:solidFill>
+              </a:rPr>
+              <a:t>FOUO</a:t>
+            </a:r>
+          </a:p>
+        </p:txBody>
+      </p:sp>
+      <p:sp>
+        <p:nvSpPr>
+          <p:cNvPr id="7" name="TextBox 6">
+            <a:extLst>
+              <a:ext uri="{FF2B5EF4-FFF2-40B4-BE49-F238E27FC236}">
+                <a16:creationId xmlns:a16="http://schemas.microsoft.com/office/drawing/2014/main" id="{80AC3C3C-3A69-44FE-9F02-F5E2E8301C8A}"/>
+              </a:ext>
+            </a:extLst>
+          </p:cNvPr>
+          <p:cNvSpPr txBox="1"/>
+          <p:nvPr/>
+        </p:nvSpPr>
+        <p:spPr>
+          <a:xfrm>
+            <a:off x="1892808" y="283464"/>
+            <a:ext cx="6364224" cy="365760"/>
+          </a:xfrm>
+          <a:prstGeom prst="rect">
+            <a:avLst/>
+          </a:prstGeom>
+          <a:noFill/>
+        </p:spPr>
+        <p:txBody>
+          <a:bodyPr vert="horz" rtlCol="0">
+            <a:spAutoFit/>
+          </a:bodyPr>
+          <a:lstStyle/>
+          <a:p>
+            <a:r>
+              <a:rPr lang="en-US"/>
+              <a:t>UNINTERRUPTIBLE POWER SUPPLY (UPS)</a:t>
+            </a:r>
+          </a:p>
+        </p:txBody>
+      </p:sp>
+      <p:sp>
+        <p:nvSpPr>
+          <p:cNvPr id="8" name="tb_SystemClass">
+            <a:extLst>
+              <a:ext uri="{FF2B5EF4-FFF2-40B4-BE49-F238E27FC236}">
+                <a16:creationId xmlns:a16="http://schemas.microsoft.com/office/drawing/2014/main" id="{D56F7B5E-B5E6-43E3-A6BB-B6508477B31D}"/>
+              </a:ext>
+            </a:extLst>
+          </p:cNvPr>
+          <p:cNvSpPr txBox="1"/>
+          <p:nvPr/>
+        </p:nvSpPr>
+        <p:spPr>
+          <a:xfrm>
+            <a:off x="8906256" y="283464"/>
+            <a:ext cx="2438400" cy="365760"/>
+          </a:xfrm>
+          <a:prstGeom prst="rect">
+            <a:avLst/>
+          </a:prstGeom>
+          <a:noFill/>
+        </p:spPr>
+        <p:txBody>
+          <a:bodyPr vert="horz" rtlCol="0">
+            <a:spAutoFit/>
+          </a:bodyPr>
+          <a:lstStyle/>
+          <a:p>
+            <a:pPr algn="r"/>
+            <a:r>
+              <a:rPr lang="en-US" b="1">
+                <a:solidFill>
+                  <a:srgbClr val="FF0000"/>
+                </a:solidFill>
+              </a:rPr>
+              <a:t>AIRCRAFT AVAILABILITY</a:t>
+            </a:r>
+          </a:p>
+        </p:txBody>
+      </p:sp>
+      <p:sp>
+        <p:nvSpPr>
+          <p:cNvPr id="9" name="tb_ProgramData">
+            <a:extLst>
+              <a:ext uri="{FF2B5EF4-FFF2-40B4-BE49-F238E27FC236}">
+                <a16:creationId xmlns:a16="http://schemas.microsoft.com/office/drawing/2014/main" id="{B7D8ECAD-3EC1-4124-BF7B-8EFE83E8CED1}"/>
+              </a:ext>
+            </a:extLst>
+          </p:cNvPr>
+          <p:cNvSpPr txBox="1"/>
+          <p:nvPr/>
+        </p:nvSpPr>
+        <p:spPr>
+          <a:xfrm>
+            <a:off x="868667" y="649224"/>
+            <a:ext cx="2377440" cy="230832"/>
+          </a:xfrm>
+          <a:prstGeom prst="rect">
+            <a:avLst/>
+          </a:prstGeom>
+          <a:noFill/>
+        </p:spPr>
+        <p:txBody>
+          <a:bodyPr vert="horz" rtlCol="0">
+            <a:spAutoFit/>
+          </a:bodyPr>
+          <a:lstStyle/>
+          <a:p>
+            <a:r>
+              <a:rPr lang="en-US" sz="900" b="1"/>
+              <a:t>WISP Program: AVIP</a:t>
+            </a:r>
+          </a:p>
+        </p:txBody>
+      </p:sp>
+      <p:sp>
+        <p:nvSpPr>
+          <p:cNvPr id="10" name="tb_Poc1">
+            <a:extLst>
+              <a:ext uri="{FF2B5EF4-FFF2-40B4-BE49-F238E27FC236}">
+                <a16:creationId xmlns:a16="http://schemas.microsoft.com/office/drawing/2014/main" id="{83A52F3D-3D52-4D89-B764-D70C615DA325}"/>
+              </a:ext>
+            </a:extLst>
+          </p:cNvPr>
+          <p:cNvSpPr txBox="1"/>
+          <p:nvPr/>
+        </p:nvSpPr>
+        <p:spPr>
+          <a:xfrm>
+            <a:off x="4901184" y="649224"/>
+            <a:ext cx="2377440" cy="230832"/>
+          </a:xfrm>
+          <a:prstGeom prst="rect">
+            <a:avLst/>
+          </a:prstGeom>
+          <a:noFill/>
+        </p:spPr>
+        <p:txBody>
+          <a:bodyPr vert="horz" rtlCol="0">
+            <a:spAutoFit/>
+          </a:bodyPr>
+          <a:lstStyle/>
+          <a:p>
+            <a:pPr algn="ctr"/>
+            <a:r>
+              <a:rPr lang="en-US" sz="900" b="1"/>
+              <a:t>WISP POC: Cliff Morey, Jimmy Bush (KIOMAC)</a:t>
+            </a:r>
+          </a:p>
+        </p:txBody>
+      </p:sp>
+      <p:sp>
+        <p:nvSpPr>
+          <p:cNvPr id="11" name="tb_Poc2">
+            <a:extLst>
+              <a:ext uri="{FF2B5EF4-FFF2-40B4-BE49-F238E27FC236}">
+                <a16:creationId xmlns:a16="http://schemas.microsoft.com/office/drawing/2014/main" id="{4E52E1EB-01E4-41D5-931E-47C3A537E0B3}"/>
+              </a:ext>
+            </a:extLst>
+          </p:cNvPr>
+          <p:cNvSpPr txBox="1"/>
+          <p:nvPr/>
+        </p:nvSpPr>
+        <p:spPr>
+          <a:xfrm>
+            <a:off x="8970264" y="649224"/>
+            <a:ext cx="2377440" cy="230832"/>
+          </a:xfrm>
+          <a:prstGeom prst="rect">
+            <a:avLst/>
+          </a:prstGeom>
+          <a:noFill/>
+        </p:spPr>
+        <p:txBody>
+          <a:bodyPr vert="horz" rtlCol="0">
+            <a:spAutoFit/>
+          </a:bodyPr>
+          <a:lstStyle/>
+          <a:p>
+            <a:pPr algn="r"/>
+            <a:r>
+              <a:rPr lang="en-US" sz="900" b="1"/>
+              <a:t>HBG POC: Jerry Kall</a:t>
+            </a:r>
+          </a:p>
+        </p:txBody>
+      </p:sp>
+      <p:sp>
+        <p:nvSpPr>
+          <p:cNvPr id="12" name="tb_PrgmDesc">
+            <a:extLst>
+              <a:ext uri="{FF2B5EF4-FFF2-40B4-BE49-F238E27FC236}">
+                <a16:creationId xmlns:a16="http://schemas.microsoft.com/office/drawing/2014/main" id="{402B3795-C140-4BB8-8B99-E596FA78EBB0}"/>
+              </a:ext>
+            </a:extLst>
+          </p:cNvPr>
+          <p:cNvSpPr txBox="1"/>
+          <p:nvPr/>
+        </p:nvSpPr>
+        <p:spPr>
+          <a:xfrm>
+            <a:off x="868680" y="1408176"/>
+            <a:ext cx="5230368" cy="2194560"/>
+          </a:xfrm>
+          <a:prstGeom prst="rect">
+            <a:avLst/>
+          </a:prstGeom>
+          <a:noFill/>
+        </p:spPr>
+        <p:txBody>
+          <a:bodyPr vert="horz" rtlCol="0">
+            <a:normAutofit fontScale="92500"/>
+          </a:bodyPr>
+          <a:lstStyle/>
+          <a:p>
+            <a:r>
+              <a:rPr lang="en-US"/>
+              <a:t>Transportable Mission Support System (TMSS) - used in Forward Operating Locations to load mission parameters to Removable Media modules required on E-8C aircraft flight operations</a:t>
+            </a:r>
+          </a:p>
+          <a:p>
+            <a:r>
+              <a:rPr lang="en-US"/>
+              <a:t>The Uninterruptable Power Supply (UPS) is a component of the TMSS that supplies short term back-up power when power is lost </a:t>
+            </a:r>
+          </a:p>
+          <a:p>
+            <a:r>
+              <a:rPr lang="en-US"/>
+              <a:t>Current UPS has DMSMS issues and is non-supportable </a:t>
+            </a:r>
+          </a:p>
+        </p:txBody>
+      </p:sp>
+      <p:sp>
+        <p:nvSpPr>
+          <p:cNvPr id="13" name="tb_PrgmSch">
+            <a:extLst>
+              <a:ext uri="{FF2B5EF4-FFF2-40B4-BE49-F238E27FC236}">
+                <a16:creationId xmlns:a16="http://schemas.microsoft.com/office/drawing/2014/main" id="{B67AF80D-51D1-4756-A3F6-ABE387731F70}"/>
+              </a:ext>
+            </a:extLst>
+          </p:cNvPr>
+          <p:cNvSpPr txBox="1"/>
+          <p:nvPr/>
+        </p:nvSpPr>
+        <p:spPr>
+          <a:xfrm>
+            <a:off x="6108192" y="1408176"/>
+            <a:ext cx="5230368" cy="2194560"/>
+          </a:xfrm>
+          <a:prstGeom prst="rect">
+            <a:avLst/>
+          </a:prstGeom>
+          <a:noFill/>
+        </p:spPr>
+        <p:txBody>
+          <a:bodyPr vert="horz" rtlCol="0">
+            <a:normAutofit fontScale="70000" lnSpcReduction="20000"/>
+          </a:bodyPr>
+          <a:lstStyle/>
+          <a:p>
+            <a:pPr marL="342900" indent="-342900">
+              <a:buFont typeface="+mj-lt"/>
+              <a:buChar char=""/>
+            </a:pPr>
+            <a:r>
+              <a:rPr lang="en-US">
+                <a:solidFill>
+                  <a:srgbClr val="ED1C24"/>
+                </a:solidFill>
+              </a:rPr>
+              <a:t>KIHOMAC recommends Acumentrics ACG2500 due to superior specifications, USAF approved, and cost point</a:t>
+            </a:r>
+          </a:p>
+          <a:p>
+            <a:pPr marL="342900" indent="-342900">
+              <a:buFont typeface="+mj-lt"/>
+              <a:buChar char=""/>
+            </a:pPr>
+            <a:r>
+              <a:rPr lang="en-US">
+                <a:solidFill>
+                  <a:srgbClr val="ED1C24"/>
+                </a:solidFill>
+              </a:rPr>
+              <a:t>At 800 Watts ACG2500 UPS sustains (&gt;30 minutes runtime) without external battery—with external battery (1 hour, 17 minutes runtime)</a:t>
+            </a:r>
+          </a:p>
+          <a:p>
+            <a:pPr marL="342900" indent="-342900">
+              <a:buFont typeface="+mj-lt"/>
+              <a:buChar char=""/>
+            </a:pPr>
+            <a:r>
+              <a:rPr lang="en-US">
+                <a:solidFill>
+                  <a:srgbClr val="ED1C24"/>
+                </a:solidFill>
+              </a:rPr>
+              <a:t>Worldwide AC Input 80-265 VAC</a:t>
+            </a:r>
+          </a:p>
+          <a:p>
+            <a:pPr marL="342900" indent="-342900">
+              <a:buFont typeface="+mj-lt"/>
+              <a:buChar char=""/>
+            </a:pPr>
+            <a:r>
+              <a:rPr lang="en-US">
+                <a:solidFill>
+                  <a:srgbClr val="ED1C24"/>
+                </a:solidFill>
+              </a:rPr>
+              <a:t>Worldwide input frequency 47-440 Hz</a:t>
+            </a:r>
+          </a:p>
+          <a:p>
+            <a:pPr marL="342900" indent="-342900">
+              <a:buFont typeface="+mj-lt"/>
+              <a:buChar char=""/>
+            </a:pPr>
+            <a:r>
+              <a:rPr lang="en-US">
+                <a:solidFill>
+                  <a:srgbClr val="ED1C24"/>
+                </a:solidFill>
+              </a:rPr>
+              <a:t>Output 115 VAC +/- 15%</a:t>
+            </a:r>
+          </a:p>
+          <a:p>
+            <a:pPr marL="342900" indent="-342900">
+              <a:buFont typeface="+mj-lt"/>
+              <a:buChar char=""/>
+            </a:pPr>
+            <a:r>
+              <a:rPr lang="en-US">
+                <a:solidFill>
+                  <a:srgbClr val="22B14C"/>
+                </a:solidFill>
+              </a:rPr>
+              <a:t>Output frequency 60 Hz +/- 0.5%</a:t>
+            </a:r>
+          </a:p>
+          <a:p>
+            <a:pPr marL="342900" indent="-342900">
+              <a:buFont typeface="+mj-lt"/>
+              <a:buChar char=""/>
+            </a:pPr>
+            <a:r>
+              <a:rPr lang="en-US">
+                <a:solidFill>
+                  <a:srgbClr val="ED1C24"/>
+                </a:solidFill>
+              </a:rPr>
+              <a:t>ACG2500 UPS is certified and tested to Mil-Standards   </a:t>
+            </a:r>
+          </a:p>
+          <a:p>
+            <a:pPr marL="342900" indent="-342900">
+              <a:buFont typeface="+mj-lt"/>
+              <a:buChar char=""/>
+            </a:pPr>
+            <a:endParaRPr lang="en-US"/>
+          </a:p>
+          <a:p>
+            <a:pPr marL="342900" indent="-342900">
+              <a:buFont typeface="+mj-lt"/>
+              <a:buChar char=""/>
+            </a:pPr>
+            <a:r>
+              <a:rPr lang="en-US">
+                <a:solidFill>
+                  <a:srgbClr val="22B14C"/>
+                </a:solidFill>
+              </a:rPr>
+              <a:t>Rugged design: withstands wind, rain, heat, cold, extreme shock, and vibration—Flo-Thru Heat Sinks allow complete chassis sealing to protect components from elements and contaminates</a:t>
+            </a:r>
+          </a:p>
+        </p:txBody>
+      </p:sp>
+      <p:sp>
+        <p:nvSpPr>
+          <p:cNvPr id="14" name="tb_KeyIssues">
+            <a:extLst>
+              <a:ext uri="{FF2B5EF4-FFF2-40B4-BE49-F238E27FC236}">
+                <a16:creationId xmlns:a16="http://schemas.microsoft.com/office/drawing/2014/main" id="{E140BB73-5807-48B2-A7DF-49175EF0ED78}"/>
+              </a:ext>
+            </a:extLst>
+          </p:cNvPr>
+          <p:cNvSpPr txBox="1"/>
+          <p:nvPr/>
+        </p:nvSpPr>
+        <p:spPr>
+          <a:xfrm>
+            <a:off x="868680" y="4178808"/>
+            <a:ext cx="5230368" cy="2194560"/>
+          </a:xfrm>
+          <a:prstGeom prst="rect">
+            <a:avLst/>
+          </a:prstGeom>
+          <a:noFill/>
+        </p:spPr>
+        <p:txBody>
+          <a:bodyPr vert="horz" rtlCol="0">
+            <a:normAutofit fontScale="62500" lnSpcReduction="20000"/>
+          </a:bodyPr>
+          <a:lstStyle/>
+          <a:p>
+            <a:r>
+              <a:rPr lang="en-US" b="1"/>
+              <a:t>Issues:</a:t>
+            </a:r>
+          </a:p>
+          <a:p>
+            <a:r>
+              <a:rPr lang="en-US"/>
+              <a:t>6 of 13 TMSS’ currently are non-operational due to UPS</a:t>
+            </a:r>
+          </a:p>
+          <a:p>
+            <a:r>
+              <a:rPr lang="en-US"/>
+              <a:t>Current UPS is at end of life and non-procurable</a:t>
+            </a:r>
+          </a:p>
+          <a:p>
+            <a:r>
+              <a:rPr lang="en-US"/>
+              <a:t>All operational TMSS units currently deployed </a:t>
+            </a:r>
+          </a:p>
+          <a:p>
+            <a:r>
+              <a:rPr lang="en-US"/>
+              <a:t>Suitable replacements are Acumentrics UPS</a:t>
+            </a:r>
+          </a:p>
+          <a:p>
+            <a:r>
+              <a:rPr lang="en-US"/>
+              <a:t>ACG2500 could provide up to 30 minutes, or more of  battery runtime at 800 Watts (current requirement)</a:t>
+            </a:r>
+          </a:p>
+          <a:p>
+            <a:r>
+              <a:rPr lang="en-US"/>
+              <a:t>Interchangeable batteries add greater supportability because field level repair would be possible</a:t>
+            </a:r>
+          </a:p>
+          <a:p>
+            <a:r>
+              <a:rPr lang="en-US"/>
+              <a:t>Government expressed interest in moving a TMSS unit to KIHOMAC for UPS testing and qualification </a:t>
+            </a:r>
+          </a:p>
+          <a:p>
+            <a:endParaRPr lang="en-US"/>
+          </a:p>
+          <a:p>
+            <a:r>
+              <a:rPr lang="en-US" b="1"/>
+              <a:t>Status:</a:t>
+            </a:r>
+          </a:p>
+          <a:p>
+            <a:r>
+              <a:rPr lang="en-US"/>
+              <a:t>ACG2500 UPS is currently in use with Ground Control Stations for MQ-1C Gray Eagle and MQ-9B Sky Guardian</a:t>
+            </a:r>
+          </a:p>
+        </p:txBody>
+      </p:sp>
+      <p:sp>
+        <p:nvSpPr>
+          <p:cNvPr id="15" name="tb_Rec">
+            <a:extLst>
+              <a:ext uri="{FF2B5EF4-FFF2-40B4-BE49-F238E27FC236}">
+                <a16:creationId xmlns:a16="http://schemas.microsoft.com/office/drawing/2014/main" id="{9A477DC2-3631-4DEF-8369-96A197727BF3}"/>
+              </a:ext>
+            </a:extLst>
+          </p:cNvPr>
+          <p:cNvSpPr txBox="1"/>
+          <p:nvPr/>
+        </p:nvSpPr>
+        <p:spPr>
+          <a:xfrm>
+            <a:off x="6108192" y="4178808"/>
+            <a:ext cx="5230368" cy="2194560"/>
+          </a:xfrm>
+          <a:prstGeom prst="rect">
+            <a:avLst/>
+          </a:prstGeom>
+          <a:noFill/>
+        </p:spPr>
+        <p:txBody>
+          <a:bodyPr vert="horz" rtlCol="0">
+            <a:normAutofit/>
+          </a:bodyPr>
+          <a:lstStyle/>
+          <a:p>
+            <a:r>
+              <a:rPr lang="en-US" b="1"/>
+              <a:t>Recommendations:</a:t>
+            </a:r>
+          </a:p>
+          <a:p>
+            <a:r>
+              <a:rPr lang="en-US"/>
+              <a:t>Purchase Acumentrics ACG2500 UPS</a:t>
+            </a:r>
+          </a:p>
+          <a:p>
+            <a:endParaRPr lang="en-US"/>
+          </a:p>
+          <a:p>
+            <a:r>
+              <a:rPr lang="en-US" b="1"/>
+              <a:t>Status:</a:t>
+            </a:r>
+          </a:p>
+          <a:p>
+            <a:r>
+              <a:rPr lang="en-US"/>
+              <a:t>Joint STARS SPO selected Intellipower 420 UPS</a:t>
+            </a:r>
           </a:p>
         </p:txBody>
       </p:sp>

--- a/generic/Templates/WSIP_A.pptx
+++ b/generic/Templates/WSIP_A.pptx
@@ -2142,7 +2142,7 @@
           <a:lstStyle/>
           <a:p>
             <a:r>
-              <a:rPr lang="en-US">
+              <a:rPr lang="en-US" dirty="0">
                 <a:solidFill>
                   <a:srgbClr val="0070C0"/>
                 </a:solidFill>
@@ -2150,11 +2150,11 @@
               <a:t>Updates</a:t>
             </a:r>
             <a:r>
-              <a:rPr lang="en-US"/>
+              <a:rPr lang="en-US" dirty="0"/>
               <a:t>, </a:t>
             </a:r>
             <a:r>
-              <a:rPr lang="en-US">
+              <a:rPr lang="en-US" dirty="0">
                 <a:solidFill>
                   <a:srgbClr val="00B050"/>
                 </a:solidFill>
@@ -2162,11 +2162,11 @@
               <a:t>Green = On Track</a:t>
             </a:r>
             <a:r>
-              <a:rPr lang="en-US"/>
+              <a:rPr lang="en-US" dirty="0"/>
               <a:t>, </a:t>
             </a:r>
             <a:r>
-              <a:rPr lang="en-US">
+              <a:rPr lang="en-US" dirty="0">
                 <a:solidFill>
                   <a:schemeClr val="tx1">
                     <a:lumMod val="95000"/>
@@ -2177,22 +2177,17 @@
               <a:t>Black = Future</a:t>
             </a:r>
             <a:r>
-              <a:rPr lang="en-US"/>
+              <a:rPr lang="en-US" dirty="0"/>
               <a:t>, </a:t>
             </a:r>
             <a:r>
-              <a:rPr lang="en-US">
+              <a:rPr lang="en-US" dirty="0">
                 <a:solidFill>
                   <a:srgbClr val="FF0000"/>
                 </a:solidFill>
               </a:rPr>
               <a:t>Red = Late</a:t>
             </a:r>
-            <a:endParaRPr lang="en-US" dirty="0">
-              <a:solidFill>
-                <a:srgbClr val="FF0000"/>
-              </a:solidFill>
-            </a:endParaRPr>
           </a:p>
         </p:txBody>
       </p:sp>
@@ -2222,609 +2217,6 @@
               <a:t>1</a:t>
             </a:fld>
             <a:endParaRPr lang="en-US"/>
-          </a:p>
-        </p:txBody>
-      </p:sp>
-      <p:sp>
-        <p:nvSpPr>
-          <p:cNvPr id="5" name="TextBox 4">
-            <a:extLst>
-              <a:ext uri="{FF2B5EF4-FFF2-40B4-BE49-F238E27FC236}">
-                <a16:creationId xmlns:a16="http://schemas.microsoft.com/office/drawing/2014/main" id="{941B6480-57D1-45CE-A529-1230CFA8F1FA}"/>
-              </a:ext>
-            </a:extLst>
-          </p:cNvPr>
-          <p:cNvSpPr txBox="1"/>
-          <p:nvPr/>
-        </p:nvSpPr>
-        <p:spPr>
-          <a:xfrm>
-            <a:off x="5843016" y="18288"/>
-            <a:ext cx="530352" cy="230832"/>
-          </a:xfrm>
-          <a:prstGeom prst="rect">
-            <a:avLst/>
-          </a:prstGeom>
-          <a:noFill/>
-        </p:spPr>
-        <p:txBody>
-          <a:bodyPr vert="horz" rtlCol="0">
-            <a:spAutoFit/>
-          </a:bodyPr>
-          <a:lstStyle/>
-          <a:p>
-            <a:r>
-              <a:rPr lang="en-US" sz="900" b="1">
-                <a:solidFill>
-                  <a:srgbClr val="FF0000"/>
-                </a:solidFill>
-              </a:rPr>
-              <a:t>FOUO</a:t>
-            </a:r>
-          </a:p>
-        </p:txBody>
-      </p:sp>
-      <p:sp>
-        <p:nvSpPr>
-          <p:cNvPr id="6" name="TextBox 5">
-            <a:extLst>
-              <a:ext uri="{FF2B5EF4-FFF2-40B4-BE49-F238E27FC236}">
-                <a16:creationId xmlns:a16="http://schemas.microsoft.com/office/drawing/2014/main" id="{94A19EDE-5A2D-4915-B9FB-E921ED65A151}"/>
-              </a:ext>
-            </a:extLst>
-          </p:cNvPr>
-          <p:cNvSpPr txBox="1"/>
-          <p:nvPr/>
-        </p:nvSpPr>
-        <p:spPr>
-          <a:xfrm>
-            <a:off x="5843016" y="6364224"/>
-            <a:ext cx="530352" cy="230832"/>
-          </a:xfrm>
-          <a:prstGeom prst="rect">
-            <a:avLst/>
-          </a:prstGeom>
-          <a:noFill/>
-        </p:spPr>
-        <p:txBody>
-          <a:bodyPr vert="horz" rtlCol="0">
-            <a:spAutoFit/>
-          </a:bodyPr>
-          <a:lstStyle/>
-          <a:p>
-            <a:r>
-              <a:rPr lang="en-US" sz="900" b="1">
-                <a:solidFill>
-                  <a:srgbClr val="FF0000"/>
-                </a:solidFill>
-              </a:rPr>
-              <a:t>FOUO</a:t>
-            </a:r>
-          </a:p>
-        </p:txBody>
-      </p:sp>
-      <p:sp>
-        <p:nvSpPr>
-          <p:cNvPr id="7" name="TextBox 6">
-            <a:extLst>
-              <a:ext uri="{FF2B5EF4-FFF2-40B4-BE49-F238E27FC236}">
-                <a16:creationId xmlns:a16="http://schemas.microsoft.com/office/drawing/2014/main" id="{80AC3C3C-3A69-44FE-9F02-F5E2E8301C8A}"/>
-              </a:ext>
-            </a:extLst>
-          </p:cNvPr>
-          <p:cNvSpPr txBox="1"/>
-          <p:nvPr/>
-        </p:nvSpPr>
-        <p:spPr>
-          <a:xfrm>
-            <a:off x="1892808" y="283464"/>
-            <a:ext cx="6364224" cy="365760"/>
-          </a:xfrm>
-          <a:prstGeom prst="rect">
-            <a:avLst/>
-          </a:prstGeom>
-          <a:noFill/>
-        </p:spPr>
-        <p:txBody>
-          <a:bodyPr vert="horz" rtlCol="0">
-            <a:spAutoFit/>
-          </a:bodyPr>
-          <a:lstStyle/>
-          <a:p>
-            <a:r>
-              <a:rPr lang="en-US"/>
-              <a:t>UNINTERRUPTIBLE POWER SUPPLY (UPS)</a:t>
-            </a:r>
-          </a:p>
-        </p:txBody>
-      </p:sp>
-      <p:sp>
-        <p:nvSpPr>
-          <p:cNvPr id="8" name="tb_SystemClass">
-            <a:extLst>
-              <a:ext uri="{FF2B5EF4-FFF2-40B4-BE49-F238E27FC236}">
-                <a16:creationId xmlns:a16="http://schemas.microsoft.com/office/drawing/2014/main" id="{D56F7B5E-B5E6-43E3-A6BB-B6508477B31D}"/>
-              </a:ext>
-            </a:extLst>
-          </p:cNvPr>
-          <p:cNvSpPr txBox="1"/>
-          <p:nvPr/>
-        </p:nvSpPr>
-        <p:spPr>
-          <a:xfrm>
-            <a:off x="8906256" y="283464"/>
-            <a:ext cx="2438400" cy="365760"/>
-          </a:xfrm>
-          <a:prstGeom prst="rect">
-            <a:avLst/>
-          </a:prstGeom>
-          <a:noFill/>
-        </p:spPr>
-        <p:txBody>
-          <a:bodyPr vert="horz" rtlCol="0">
-            <a:spAutoFit/>
-          </a:bodyPr>
-          <a:lstStyle/>
-          <a:p>
-            <a:pPr algn="r"/>
-            <a:r>
-              <a:rPr lang="en-US" b="1">
-                <a:solidFill>
-                  <a:srgbClr val="FF0000"/>
-                </a:solidFill>
-              </a:rPr>
-              <a:t>AIRCRAFT AVAILABILITY</a:t>
-            </a:r>
-          </a:p>
-        </p:txBody>
-      </p:sp>
-      <p:sp>
-        <p:nvSpPr>
-          <p:cNvPr id="9" name="tb_ProgramData">
-            <a:extLst>
-              <a:ext uri="{FF2B5EF4-FFF2-40B4-BE49-F238E27FC236}">
-                <a16:creationId xmlns:a16="http://schemas.microsoft.com/office/drawing/2014/main" id="{B7D8ECAD-3EC1-4124-BF7B-8EFE83E8CED1}"/>
-              </a:ext>
-            </a:extLst>
-          </p:cNvPr>
-          <p:cNvSpPr txBox="1"/>
-          <p:nvPr/>
-        </p:nvSpPr>
-        <p:spPr>
-          <a:xfrm>
-            <a:off x="868667" y="649224"/>
-            <a:ext cx="2377440" cy="230832"/>
-          </a:xfrm>
-          <a:prstGeom prst="rect">
-            <a:avLst/>
-          </a:prstGeom>
-          <a:noFill/>
-        </p:spPr>
-        <p:txBody>
-          <a:bodyPr vert="horz" rtlCol="0">
-            <a:spAutoFit/>
-          </a:bodyPr>
-          <a:lstStyle/>
-          <a:p>
-            <a:r>
-              <a:rPr lang="en-US" sz="900" b="1"/>
-              <a:t>WISP Program: AVIP</a:t>
-            </a:r>
-          </a:p>
-        </p:txBody>
-      </p:sp>
-      <p:sp>
-        <p:nvSpPr>
-          <p:cNvPr id="10" name="tb_Poc1">
-            <a:extLst>
-              <a:ext uri="{FF2B5EF4-FFF2-40B4-BE49-F238E27FC236}">
-                <a16:creationId xmlns:a16="http://schemas.microsoft.com/office/drawing/2014/main" id="{83A52F3D-3D52-4D89-B764-D70C615DA325}"/>
-              </a:ext>
-            </a:extLst>
-          </p:cNvPr>
-          <p:cNvSpPr txBox="1"/>
-          <p:nvPr/>
-        </p:nvSpPr>
-        <p:spPr>
-          <a:xfrm>
-            <a:off x="4901184" y="649224"/>
-            <a:ext cx="2377440" cy="230832"/>
-          </a:xfrm>
-          <a:prstGeom prst="rect">
-            <a:avLst/>
-          </a:prstGeom>
-          <a:noFill/>
-        </p:spPr>
-        <p:txBody>
-          <a:bodyPr vert="horz" rtlCol="0">
-            <a:spAutoFit/>
-          </a:bodyPr>
-          <a:lstStyle/>
-          <a:p>
-            <a:pPr algn="ctr"/>
-            <a:r>
-              <a:rPr lang="en-US" sz="900" b="1"/>
-              <a:t>WISP POC: Cliff Morey, Jimmy Bush (KIOMAC)</a:t>
-            </a:r>
-          </a:p>
-        </p:txBody>
-      </p:sp>
-      <p:sp>
-        <p:nvSpPr>
-          <p:cNvPr id="11" name="tb_Poc2">
-            <a:extLst>
-              <a:ext uri="{FF2B5EF4-FFF2-40B4-BE49-F238E27FC236}">
-                <a16:creationId xmlns:a16="http://schemas.microsoft.com/office/drawing/2014/main" id="{4E52E1EB-01E4-41D5-931E-47C3A537E0B3}"/>
-              </a:ext>
-            </a:extLst>
-          </p:cNvPr>
-          <p:cNvSpPr txBox="1"/>
-          <p:nvPr/>
-        </p:nvSpPr>
-        <p:spPr>
-          <a:xfrm>
-            <a:off x="8970264" y="649224"/>
-            <a:ext cx="2377440" cy="230832"/>
-          </a:xfrm>
-          <a:prstGeom prst="rect">
-            <a:avLst/>
-          </a:prstGeom>
-          <a:noFill/>
-        </p:spPr>
-        <p:txBody>
-          <a:bodyPr vert="horz" rtlCol="0">
-            <a:spAutoFit/>
-          </a:bodyPr>
-          <a:lstStyle/>
-          <a:p>
-            <a:pPr algn="r"/>
-            <a:r>
-              <a:rPr lang="en-US" sz="900" b="1"/>
-              <a:t>HBG POC: Jerry Kall</a:t>
-            </a:r>
-          </a:p>
-        </p:txBody>
-      </p:sp>
-      <p:sp>
-        <p:nvSpPr>
-          <p:cNvPr id="12" name="tb_PrgmDesc">
-            <a:extLst>
-              <a:ext uri="{FF2B5EF4-FFF2-40B4-BE49-F238E27FC236}">
-                <a16:creationId xmlns:a16="http://schemas.microsoft.com/office/drawing/2014/main" id="{402B3795-C140-4BB8-8B99-E596FA78EBB0}"/>
-              </a:ext>
-            </a:extLst>
-          </p:cNvPr>
-          <p:cNvSpPr txBox="1"/>
-          <p:nvPr/>
-        </p:nvSpPr>
-        <p:spPr>
-          <a:xfrm>
-            <a:off x="868680" y="1408176"/>
-            <a:ext cx="5230368" cy="2194560"/>
-          </a:xfrm>
-          <a:prstGeom prst="rect">
-            <a:avLst/>
-          </a:prstGeom>
-          <a:noFill/>
-        </p:spPr>
-        <p:txBody>
-          <a:bodyPr vert="horz" rtlCol="0">
-            <a:normAutofit fontScale="92500"/>
-          </a:bodyPr>
-          <a:lstStyle/>
-          <a:p>
-            <a:r>
-              <a:rPr lang="en-US"/>
-              <a:t>Transportable Mission Support System (TMSS) - used in Forward Operating Locations to load mission parameters to Removable Media modules required on E-8C aircraft flight operations</a:t>
-            </a:r>
-          </a:p>
-          <a:p>
-            <a:r>
-              <a:rPr lang="en-US"/>
-              <a:t>The Uninterruptable Power Supply (UPS) is a component of the TMSS that supplies short term back-up power when power is lost </a:t>
-            </a:r>
-          </a:p>
-          <a:p>
-            <a:r>
-              <a:rPr lang="en-US"/>
-              <a:t>Current UPS has DMSMS issues and is non-supportable </a:t>
-            </a:r>
-          </a:p>
-        </p:txBody>
-      </p:sp>
-      <p:sp>
-        <p:nvSpPr>
-          <p:cNvPr id="13" name="tb_PrgmSch">
-            <a:extLst>
-              <a:ext uri="{FF2B5EF4-FFF2-40B4-BE49-F238E27FC236}">
-                <a16:creationId xmlns:a16="http://schemas.microsoft.com/office/drawing/2014/main" id="{B67AF80D-51D1-4756-A3F6-ABE387731F70}"/>
-              </a:ext>
-            </a:extLst>
-          </p:cNvPr>
-          <p:cNvSpPr txBox="1"/>
-          <p:nvPr/>
-        </p:nvSpPr>
-        <p:spPr>
-          <a:xfrm>
-            <a:off x="6108192" y="1408176"/>
-            <a:ext cx="5230368" cy="2194560"/>
-          </a:xfrm>
-          <a:prstGeom prst="rect">
-            <a:avLst/>
-          </a:prstGeom>
-          <a:noFill/>
-        </p:spPr>
-        <p:txBody>
-          <a:bodyPr vert="horz" rtlCol="0">
-            <a:normAutofit fontScale="70000" lnSpcReduction="20000"/>
-          </a:bodyPr>
-          <a:lstStyle/>
-          <a:p>
-            <a:pPr marL="342900" indent="-342900">
-              <a:buFont typeface="+mj-lt"/>
-              <a:buChar char=""/>
-            </a:pPr>
-            <a:r>
-              <a:rPr lang="en-US">
-                <a:solidFill>
-                  <a:srgbClr val="ED1C24"/>
-                </a:solidFill>
-              </a:rPr>
-              <a:t>KIHOMAC recommends Acumentrics ACG2500 due to superior specifications, USAF approved, and cost point</a:t>
-            </a:r>
-          </a:p>
-          <a:p>
-            <a:pPr marL="342900" indent="-342900">
-              <a:buFont typeface="+mj-lt"/>
-              <a:buChar char=""/>
-            </a:pPr>
-            <a:r>
-              <a:rPr lang="en-US">
-                <a:solidFill>
-                  <a:srgbClr val="ED1C24"/>
-                </a:solidFill>
-              </a:rPr>
-              <a:t>At 800 Watts ACG2500 UPS sustains (&gt;30 minutes runtime) without external battery—with external battery (1 hour, 17 minutes runtime)</a:t>
-            </a:r>
-          </a:p>
-          <a:p>
-            <a:pPr marL="342900" indent="-342900">
-              <a:buFont typeface="+mj-lt"/>
-              <a:buChar char=""/>
-            </a:pPr>
-            <a:r>
-              <a:rPr lang="en-US">
-                <a:solidFill>
-                  <a:srgbClr val="ED1C24"/>
-                </a:solidFill>
-              </a:rPr>
-              <a:t>Worldwide AC Input 80-265 VAC</a:t>
-            </a:r>
-          </a:p>
-          <a:p>
-            <a:pPr marL="342900" indent="-342900">
-              <a:buFont typeface="+mj-lt"/>
-              <a:buChar char=""/>
-            </a:pPr>
-            <a:r>
-              <a:rPr lang="en-US">
-                <a:solidFill>
-                  <a:srgbClr val="ED1C24"/>
-                </a:solidFill>
-              </a:rPr>
-              <a:t>Worldwide input frequency 47-440 Hz</a:t>
-            </a:r>
-          </a:p>
-          <a:p>
-            <a:pPr marL="342900" indent="-342900">
-              <a:buFont typeface="+mj-lt"/>
-              <a:buChar char=""/>
-            </a:pPr>
-            <a:r>
-              <a:rPr lang="en-US">
-                <a:solidFill>
-                  <a:srgbClr val="ED1C24"/>
-                </a:solidFill>
-              </a:rPr>
-              <a:t>Output 115 VAC +/- 15%</a:t>
-            </a:r>
-          </a:p>
-          <a:p>
-            <a:pPr marL="342900" indent="-342900">
-              <a:buFont typeface="+mj-lt"/>
-              <a:buChar char=""/>
-            </a:pPr>
-            <a:r>
-              <a:rPr lang="en-US">
-                <a:solidFill>
-                  <a:srgbClr val="22B14C"/>
-                </a:solidFill>
-              </a:rPr>
-              <a:t>Output frequency 60 Hz +/- 0.5%</a:t>
-            </a:r>
-          </a:p>
-          <a:p>
-            <a:pPr marL="342900" indent="-342900">
-              <a:buFont typeface="+mj-lt"/>
-              <a:buChar char=""/>
-            </a:pPr>
-            <a:r>
-              <a:rPr lang="en-US">
-                <a:solidFill>
-                  <a:srgbClr val="ED1C24"/>
-                </a:solidFill>
-              </a:rPr>
-              <a:t>ACG2500 UPS is certified and tested to Mil-Standards   </a:t>
-            </a:r>
-          </a:p>
-          <a:p>
-            <a:pPr marL="342900" indent="-342900">
-              <a:buFont typeface="+mj-lt"/>
-              <a:buChar char=""/>
-            </a:pPr>
-            <a:endParaRPr lang="en-US"/>
-          </a:p>
-          <a:p>
-            <a:pPr marL="342900" indent="-342900">
-              <a:buFont typeface="+mj-lt"/>
-              <a:buChar char=""/>
-            </a:pPr>
-            <a:r>
-              <a:rPr lang="en-US">
-                <a:solidFill>
-                  <a:srgbClr val="22B14C"/>
-                </a:solidFill>
-              </a:rPr>
-              <a:t>Rugged design: withstands wind, rain, heat, cold, extreme shock, and vibration—Flo-Thru Heat Sinks allow complete chassis sealing to protect components from elements and contaminates</a:t>
-            </a:r>
-          </a:p>
-        </p:txBody>
-      </p:sp>
-      <p:sp>
-        <p:nvSpPr>
-          <p:cNvPr id="14" name="tb_KeyIssues">
-            <a:extLst>
-              <a:ext uri="{FF2B5EF4-FFF2-40B4-BE49-F238E27FC236}">
-                <a16:creationId xmlns:a16="http://schemas.microsoft.com/office/drawing/2014/main" id="{E140BB73-5807-48B2-A7DF-49175EF0ED78}"/>
-              </a:ext>
-            </a:extLst>
-          </p:cNvPr>
-          <p:cNvSpPr txBox="1"/>
-          <p:nvPr/>
-        </p:nvSpPr>
-        <p:spPr>
-          <a:xfrm>
-            <a:off x="868680" y="4178808"/>
-            <a:ext cx="5230368" cy="2194560"/>
-          </a:xfrm>
-          <a:prstGeom prst="rect">
-            <a:avLst/>
-          </a:prstGeom>
-          <a:noFill/>
-        </p:spPr>
-        <p:txBody>
-          <a:bodyPr vert="horz" rtlCol="0">
-            <a:normAutofit fontScale="62500" lnSpcReduction="20000"/>
-          </a:bodyPr>
-          <a:lstStyle/>
-          <a:p>
-            <a:r>
-              <a:rPr lang="en-US" b="1"/>
-              <a:t>Issues:</a:t>
-            </a:r>
-          </a:p>
-          <a:p>
-            <a:r>
-              <a:rPr lang="en-US"/>
-              <a:t>6 of 13 TMSS’ currently are non-operational due to UPS</a:t>
-            </a:r>
-          </a:p>
-          <a:p>
-            <a:r>
-              <a:rPr lang="en-US"/>
-              <a:t>Current UPS is at end of life and non-procurable</a:t>
-            </a:r>
-          </a:p>
-          <a:p>
-            <a:r>
-              <a:rPr lang="en-US"/>
-              <a:t>All operational TMSS units currently deployed </a:t>
-            </a:r>
-          </a:p>
-          <a:p>
-            <a:r>
-              <a:rPr lang="en-US"/>
-              <a:t>Suitable replacements are Acumentrics UPS</a:t>
-            </a:r>
-          </a:p>
-          <a:p>
-            <a:r>
-              <a:rPr lang="en-US"/>
-              <a:t>ACG2500 could provide up to 30 minutes, or more of  battery runtime at 800 Watts (current requirement)</a:t>
-            </a:r>
-          </a:p>
-          <a:p>
-            <a:r>
-              <a:rPr lang="en-US"/>
-              <a:t>Interchangeable batteries add greater supportability because field level repair would be possible</a:t>
-            </a:r>
-          </a:p>
-          <a:p>
-            <a:r>
-              <a:rPr lang="en-US"/>
-              <a:t>Government expressed interest in moving a TMSS unit to KIHOMAC for UPS testing and qualification </a:t>
-            </a:r>
-          </a:p>
-          <a:p>
-            <a:endParaRPr lang="en-US"/>
-          </a:p>
-          <a:p>
-            <a:r>
-              <a:rPr lang="en-US" b="1"/>
-              <a:t>Status:</a:t>
-            </a:r>
-          </a:p>
-          <a:p>
-            <a:r>
-              <a:rPr lang="en-US"/>
-              <a:t>ACG2500 UPS is currently in use with Ground Control Stations for MQ-1C Gray Eagle and MQ-9B Sky Guardian</a:t>
-            </a:r>
-          </a:p>
-        </p:txBody>
-      </p:sp>
-      <p:sp>
-        <p:nvSpPr>
-          <p:cNvPr id="15" name="tb_Rec">
-            <a:extLst>
-              <a:ext uri="{FF2B5EF4-FFF2-40B4-BE49-F238E27FC236}">
-                <a16:creationId xmlns:a16="http://schemas.microsoft.com/office/drawing/2014/main" id="{9A477DC2-3631-4DEF-8369-96A197727BF3}"/>
-              </a:ext>
-            </a:extLst>
-          </p:cNvPr>
-          <p:cNvSpPr txBox="1"/>
-          <p:nvPr/>
-        </p:nvSpPr>
-        <p:spPr>
-          <a:xfrm>
-            <a:off x="6108192" y="4178808"/>
-            <a:ext cx="5230368" cy="2194560"/>
-          </a:xfrm>
-          <a:prstGeom prst="rect">
-            <a:avLst/>
-          </a:prstGeom>
-          <a:noFill/>
-        </p:spPr>
-        <p:txBody>
-          <a:bodyPr vert="horz" rtlCol="0">
-            <a:normAutofit/>
-          </a:bodyPr>
-          <a:lstStyle/>
-          <a:p>
-            <a:r>
-              <a:rPr lang="en-US" b="1"/>
-              <a:t>Recommendations:</a:t>
-            </a:r>
-          </a:p>
-          <a:p>
-            <a:r>
-              <a:rPr lang="en-US"/>
-              <a:t>Purchase Acumentrics ACG2500 UPS</a:t>
-            </a:r>
-          </a:p>
-          <a:p>
-            <a:endParaRPr lang="en-US"/>
-          </a:p>
-          <a:p>
-            <a:r>
-              <a:rPr lang="en-US" b="1"/>
-              <a:t>Status:</a:t>
-            </a:r>
-          </a:p>
-          <a:p>
-            <a:r>
-              <a:rPr lang="en-US"/>
-              <a:t>Joint STARS SPO selected Intellipower 420 UPS</a:t>
-            </a:r>
           </a:p>
         </p:txBody>
       </p:sp>
